--- a/BD00-UAS/decks/UAS-SVM-Nanang_Wijaya_Kusuma.pptx
+++ b/BD00-UAS/decks/UAS-SVM-Nanang_Wijaya_Kusuma.pptx
@@ -38661,8 +38661,8 @@
         </p:nvSpPr>
         <p:spPr>
           <a:xfrm>
-            <a:off x="978310" y="383458"/>
-            <a:ext cx="10235380" cy="3785652"/>
+            <a:off x="978310" y="1087546"/>
+            <a:ext cx="10235380" cy="1938992"/>
           </a:xfrm>
           <a:prstGeom prst="rect">
             <a:avLst/>
@@ -38675,7 +38675,7 @@
           </a:bodyPr>
           <a:lstStyle/>
           <a:p>
-            <a:pPr algn="ctr"/>
+            <a:pPr algn="r"/>
             <a:r>
               <a:rPr kumimoji="0" lang="en-US" sz="6000" b="0" i="0" u="none" strike="noStrike" kern="1200" cap="all" spc="200" normalizeH="0" baseline="0" noProof="0" dirty="0">
                 <a:ln>
@@ -38697,52 +38697,11 @@
                 <a:ea typeface="+mj-ea"/>
                 <a:cs typeface="+mj-cs"/>
               </a:rPr>
-              <a:t>Principal </a:t>
-            </a:r>
-            <a:r>
-              <a:rPr lang="en-US" sz="6000" cap="all" spc="200" dirty="0">
-                <a:solidFill>
-                  <a:srgbClr val="FF0000"/>
-                </a:solidFill>
-                <a:effectLst>
-                  <a:innerShdw blurRad="63500" dist="50800" dir="10800000">
-                    <a:prstClr val="black">
-                      <a:alpha val="50000"/>
-                    </a:prstClr>
-                  </a:innerShdw>
-                </a:effectLst>
-                <a:latin typeface="Tw Cen MT Condensed Extra Bold" panose="020B0803020202020204" pitchFamily="34" charset="0"/>
-                <a:ea typeface="+mj-ea"/>
-                <a:cs typeface="+mj-cs"/>
-              </a:rPr>
-              <a:t>Component </a:t>
-            </a:r>
-            <a:r>
-              <a:rPr kumimoji="0" lang="en-US" sz="6000" b="0" i="0" u="none" strike="noStrike" kern="1200" cap="all" spc="200" normalizeH="0" baseline="0" noProof="0" dirty="0">
-                <a:ln>
-                  <a:noFill/>
-                </a:ln>
-                <a:solidFill>
-                  <a:srgbClr val="FF0000"/>
-                </a:solidFill>
-                <a:effectLst>
-                  <a:innerShdw blurRad="63500" dist="50800" dir="10800000">
-                    <a:prstClr val="black">
-                      <a:alpha val="50000"/>
-                    </a:prstClr>
-                  </a:innerShdw>
-                </a:effectLst>
-                <a:uLnTx/>
-                <a:uFillTx/>
-                <a:latin typeface="Tw Cen MT Condensed Extra Bold" panose="020B0803020202020204" pitchFamily="34" charset="0"/>
-                <a:ea typeface="+mj-ea"/>
-                <a:cs typeface="+mj-cs"/>
-              </a:rPr>
-              <a:t>Analysis</a:t>
+              <a:t>Support vector Machine</a:t>
             </a:r>
           </a:p>
           <a:p>
-            <a:pPr algn="ctr"/>
+            <a:pPr algn="r"/>
             <a:r>
               <a:rPr lang="en-US" sz="6000" cap="all" spc="200" dirty="0">
                 <a:solidFill>
@@ -38759,48 +38718,7 @@
                 <a:ea typeface="+mj-ea"/>
                 <a:cs typeface="+mj-cs"/>
               </a:rPr>
-              <a:t>&amp;</a:t>
-            </a:r>
-            <a:endParaRPr kumimoji="0" lang="en-US" sz="6000" b="0" i="0" u="none" strike="noStrike" kern="1200" cap="all" spc="200" normalizeH="0" baseline="0" noProof="0" dirty="0">
-              <a:ln>
-                <a:noFill/>
-              </a:ln>
-              <a:solidFill>
-                <a:schemeClr val="bg1"/>
-              </a:solidFill>
-              <a:effectLst>
-                <a:innerShdw blurRad="63500" dist="50800" dir="10800000">
-                  <a:prstClr val="black">
-                    <a:alpha val="50000"/>
-                  </a:prstClr>
-                </a:innerShdw>
-              </a:effectLst>
-              <a:uLnTx/>
-              <a:uFillTx/>
-              <a:latin typeface="Tw Cen MT Condensed Extra Bold" panose="020B0803020202020204" pitchFamily="34" charset="0"/>
-              <a:ea typeface="+mj-ea"/>
-              <a:cs typeface="+mj-cs"/>
-            </a:endParaRPr>
-          </a:p>
-          <a:p>
-            <a:pPr algn="ctr"/>
-            <a:r>
-              <a:rPr lang="en-US" sz="6000" cap="all" spc="200" dirty="0">
-                <a:solidFill>
-                  <a:schemeClr val="bg1"/>
-                </a:solidFill>
-                <a:effectLst>
-                  <a:innerShdw blurRad="63500" dist="50800" dir="10800000">
-                    <a:prstClr val="black">
-                      <a:alpha val="50000"/>
-                    </a:prstClr>
-                  </a:innerShdw>
-                </a:effectLst>
-                <a:latin typeface="Tw Cen MT Condensed Extra Bold" panose="020B0803020202020204" pitchFamily="34" charset="0"/>
-                <a:ea typeface="+mj-ea"/>
-                <a:cs typeface="+mj-cs"/>
-              </a:rPr>
-              <a:t>Multi Linear Regression</a:t>
+              <a:t>Classification</a:t>
             </a:r>
             <a:endParaRPr lang="en-ID" sz="6000" dirty="0">
               <a:solidFill>

--- a/BD00-UAS/decks/UAS-SVM-Nanang_Wijaya_Kusuma.pptx
+++ b/BD00-UAS/decks/UAS-SVM-Nanang_Wijaya_Kusuma.pptx
@@ -7811,7 +7811,7 @@
               </a:solidFill>
               <a:latin typeface="+mj-lt"/>
             </a:rPr>
-            <a:t>UAS_PCA dan Multi Linear Regression.xlsx</a:t>
+            <a:t>UAS_SVM.xlsx</a:t>
           </a:r>
           <a:endParaRPr lang="en-ID" sz="1800" dirty="0">
             <a:solidFill>
@@ -13530,7 +13530,7 @@
               </a:solidFill>
               <a:latin typeface="+mj-lt"/>
             </a:rPr>
-            <a:t>UAS_PCA dan Multi Linear Regression.xlsx</a:t>
+            <a:t>UAS_SVM.xlsx</a:t>
           </a:r>
           <a:endParaRPr lang="en-ID" sz="1800" kern="1200" dirty="0">
             <a:solidFill>
@@ -39981,7 +39981,7 @@
             <p:ph idx="1"/>
             <p:extLst>
               <p:ext uri="{D42A27DB-BD31-4B8C-83A1-F6EECF244321}">
-                <p14:modId xmlns:p14="http://schemas.microsoft.com/office/powerpoint/2010/main" val="1906883903"/>
+                <p14:modId xmlns:p14="http://schemas.microsoft.com/office/powerpoint/2010/main" val="664011343"/>
               </p:ext>
             </p:extLst>
           </p:nvPr>
